--- a/lectures/week6/lecture1/slides/week6_lecture1.pptx
+++ b/lectures/week6/lecture1/slides/week6_lecture1.pptx
@@ -2127,7 +2127,7 @@
                   <a:srgbClr val="66FF99"/>
                 </a:solidFill>
               </a:rPr>
-              <a:t>Lab 3 Due 11:59 pm Friday</a:t>
+              <a:t>Term Test 1, Thursday at 7:00 pm</a:t>
             </a:r>
             <a:r>
               <a:rPr lang="en-US" sz="1600" dirty="0">
@@ -2137,6 +2137,11 @@
               </a:rPr>
               <a:t>.</a:t>
             </a:r>
+            <a:endParaRPr lang="en-US" sz="1600" dirty="0">
+              <a:solidFill>
+                <a:srgbClr val="66FF99"/>
+              </a:solidFill>
+            </a:endParaRPr>
           </a:p>
           <a:p>
             <a:pPr marL="285750" indent="-285750">

--- a/lectures/week6/lecture1/slides/week6_lecture1.pptx
+++ b/lectures/week6/lecture1/slides/week6_lecture1.pptx
@@ -2091,7 +2091,7 @@
         <p:spPr>
           <a:xfrm>
             <a:off x="335947" y="5102715"/>
-            <a:ext cx="6619392" cy="1323439"/>
+            <a:ext cx="6619392" cy="1569660"/>
           </a:xfrm>
           <a:prstGeom prst="rect">
             <a:avLst/>
@@ -2128,6 +2128,31 @@
                 </a:solidFill>
               </a:rPr>
               <a:t>Term Test 1, Thursday at 7:00 pm</a:t>
+            </a:r>
+            <a:r>
+              <a:rPr lang="en-US" sz="1600" dirty="0">
+                <a:solidFill>
+                  <a:srgbClr val="CC99FF"/>
+                </a:solidFill>
+              </a:rPr>
+              <a:t>.</a:t>
+            </a:r>
+          </a:p>
+          <a:p>
+            <a:pPr marL="285750" indent="-285750">
+              <a:buClr>
+                <a:srgbClr val="CC99FF"/>
+              </a:buClr>
+              <a:buFont typeface="Wingdings" panose="05000000000000000000" pitchFamily="2" charset="2"/>
+              <a:buChar char="§"/>
+            </a:pPr>
+            <a:r>
+              <a:rPr lang="en-US" sz="1600" dirty="0">
+                <a:solidFill>
+                  <a:srgbClr val="66FF99"/>
+                </a:solidFill>
+              </a:rPr>
+              <a:t>Online Term Test Review, Tuesday at 7:30 pm</a:t>
             </a:r>
             <a:r>
               <a:rPr lang="en-US" sz="1600" dirty="0">

--- a/lectures/week6/lecture1/slides/week6_lecture1.pptx
+++ b/lectures/week6/lecture1/slides/week6_lecture1.pptx
@@ -39,7 +39,7 @@
     <p:sldId id="354" r:id="rId33"/>
     <p:sldId id="266" r:id="rId34"/>
     <p:sldId id="344" r:id="rId35"/>
-    <p:sldId id="324" r:id="rId36"/>
+    <p:sldId id="386" r:id="rId36"/>
     <p:sldId id="325" r:id="rId37"/>
   </p:sldIdLst>
   <p:sldSz cx="12192000" cy="6858000"/>
@@ -14146,166 +14146,27 @@
             <p:ph type="title"/>
           </p:nvPr>
         </p:nvSpPr>
-        <p:spPr/>
+        <p:spPr>
+          <a:xfrm>
+            <a:off x="2079869" y="2586087"/>
+            <a:ext cx="8032262" cy="1685825"/>
+          </a:xfrm>
+        </p:spPr>
         <p:txBody>
           <a:bodyPr>
-            <a:normAutofit fontScale="90000"/>
+            <a:noAutofit/>
           </a:bodyPr>
           <a:lstStyle/>
           <a:p>
-            <a:r>
-              <a:rPr lang="en-US" b="1" dirty="0"/>
-              <a:t>Lecture Recap</a:t>
-            </a:r>
-          </a:p>
-        </p:txBody>
-      </p:sp>
-      <p:sp>
-        <p:nvSpPr>
-          <p:cNvPr id="5" name="Content Placeholder 4">
-            <a:extLst>
-              <a:ext uri="{FF2B5EF4-FFF2-40B4-BE49-F238E27FC236}">
-                <a16:creationId xmlns:a16="http://schemas.microsoft.com/office/drawing/2014/main" id="{85F37492-86E3-47CA-8641-D7457D28B946}"/>
-              </a:ext>
-            </a:extLst>
-          </p:cNvPr>
-          <p:cNvSpPr>
-            <a:spLocks noGrp="1"/>
-          </p:cNvSpPr>
-          <p:nvPr>
-            <p:ph idx="1"/>
-          </p:nvPr>
-        </p:nvSpPr>
-        <p:spPr>
-          <a:xfrm>
-            <a:off x="838199" y="1825624"/>
-            <a:ext cx="11073063" cy="4835479"/>
-          </a:xfrm>
-        </p:spPr>
-        <p:txBody>
-          <a:bodyPr>
-            <a:normAutofit/>
-          </a:bodyPr>
-          <a:lstStyle/>
-          <a:p>
-            <a:r>
-              <a:rPr lang="en-US" sz="3600" dirty="0">
-                <a:solidFill>
-                  <a:schemeClr val="accent6"/>
-                </a:solidFill>
-                <a:latin typeface="Consolas" panose="020B0609020204030204" pitchFamily="49" charset="0"/>
-              </a:rPr>
-              <a:t>for</a:t>
-            </a:r>
-            <a:r>
-              <a:rPr lang="en-US" sz="3600" dirty="0"/>
-              <a:t> loops</a:t>
-            </a:r>
-            <a:r>
-              <a:rPr lang="en-US" sz="3600" dirty="0">
-                <a:solidFill>
-                  <a:schemeClr val="accent3"/>
-                </a:solidFill>
-              </a:rPr>
-              <a:t>.</a:t>
-            </a:r>
-          </a:p>
-          <a:p>
-            <a:r>
-              <a:rPr lang="en-US" sz="3600" dirty="0"/>
-              <a:t>Looping over strings</a:t>
-            </a:r>
-            <a:r>
-              <a:rPr lang="en-US" sz="3600" dirty="0">
-                <a:solidFill>
-                  <a:schemeClr val="accent3"/>
-                </a:solidFill>
-              </a:rPr>
-              <a:t>.</a:t>
-            </a:r>
-          </a:p>
-          <a:p>
-            <a:r>
-              <a:rPr lang="en-US" sz="3600" dirty="0"/>
-              <a:t>When to use a </a:t>
-            </a:r>
-            <a:r>
-              <a:rPr lang="en-US" sz="3600" dirty="0">
-                <a:solidFill>
-                  <a:schemeClr val="accent6"/>
-                </a:solidFill>
-                <a:latin typeface="Consolas" panose="020B0609020204030204" pitchFamily="49" charset="0"/>
-              </a:rPr>
-              <a:t>for</a:t>
-            </a:r>
-            <a:r>
-              <a:rPr lang="en-US" sz="3600" dirty="0"/>
-              <a:t> loop over a </a:t>
-            </a:r>
-            <a:r>
-              <a:rPr lang="en-US" sz="3600" dirty="0">
-                <a:solidFill>
-                  <a:schemeClr val="accent6"/>
-                </a:solidFill>
-                <a:latin typeface="Consolas" panose="020B0609020204030204" pitchFamily="49" charset="0"/>
-              </a:rPr>
-              <a:t>while</a:t>
-            </a:r>
-            <a:r>
-              <a:rPr lang="en-US" sz="3600" dirty="0"/>
-              <a:t> loop</a:t>
-            </a:r>
-            <a:r>
-              <a:rPr lang="en-US" sz="3600" dirty="0">
-                <a:solidFill>
-                  <a:schemeClr val="accent3"/>
-                </a:solidFill>
-              </a:rPr>
-              <a:t>.</a:t>
-            </a:r>
-          </a:p>
-        </p:txBody>
-      </p:sp>
-      <p:sp>
-        <p:nvSpPr>
-          <p:cNvPr id="6" name="TextBox 5">
-            <a:extLst>
-              <a:ext uri="{FF2B5EF4-FFF2-40B4-BE49-F238E27FC236}">
-                <a16:creationId xmlns:a16="http://schemas.microsoft.com/office/drawing/2014/main" id="{DA703043-B86C-43D7-83A2-C89F11DBF43E}"/>
-              </a:ext>
-            </a:extLst>
-          </p:cNvPr>
-          <p:cNvSpPr txBox="1"/>
-          <p:nvPr/>
-        </p:nvSpPr>
-        <p:spPr>
-          <a:xfrm>
-            <a:off x="9354071" y="1029719"/>
-            <a:ext cx="2265364" cy="707886"/>
-          </a:xfrm>
-          <a:prstGeom prst="rect">
-            <a:avLst/>
-          </a:prstGeom>
-          <a:noFill/>
-        </p:spPr>
-        <p:txBody>
-          <a:bodyPr wrap="none" rtlCol="0">
-            <a:spAutoFit/>
-          </a:bodyPr>
-          <a:lstStyle/>
-          <a:p>
-            <a:r>
-              <a:rPr lang="en-US" sz="4000" b="1" dirty="0">
-                <a:solidFill>
-                  <a:schemeClr val="accent6"/>
-                </a:solidFill>
-              </a:rPr>
-              <a:t>Practice</a:t>
-            </a:r>
-            <a:r>
-              <a:rPr lang="en-US" sz="4000" b="1" dirty="0">
-                <a:solidFill>
-                  <a:schemeClr val="accent1"/>
+            <a:pPr algn="ctr"/>
+            <a:r>
+              <a:rPr lang="en-US" sz="12000" b="1" dirty="0"/>
+              <a:t>PRACTICE</a:t>
+            </a:r>
+            <a:r>
+              <a:rPr lang="en-US" sz="12000" b="1" dirty="0">
+                <a:solidFill>
+                  <a:srgbClr val="CC99FF"/>
                 </a:solidFill>
               </a:rPr>
               <a:t>!</a:t>
@@ -14316,7 +14177,7 @@
     </p:spTree>
     <p:extLst>
       <p:ext uri="{BB962C8B-B14F-4D97-AF65-F5344CB8AC3E}">
-        <p14:creationId xmlns:p14="http://schemas.microsoft.com/office/powerpoint/2010/main" val="577522275"/>
+        <p14:creationId xmlns:p14="http://schemas.microsoft.com/office/powerpoint/2010/main" val="2319937508"/>
       </p:ext>
     </p:extLst>
   </p:cSld>
